--- a/Visualisations/Mechanism_diagramv8.pptx
+++ b/Visualisations/Mechanism_diagramv8.pptx
@@ -243,7 +243,7 @@
           <a:p>
             <a:fld id="{100147B4-4DC3-4844-B2A8-58658666F9FF}" type="datetimeFigureOut">
               <a:rPr lang="en-AU" smtClean="0"/>
-              <a:t>20/04/2020</a:t>
+              <a:t>19/08/2020</a:t>
             </a:fld>
             <a:endParaRPr lang="en-AU"/>
           </a:p>
@@ -413,7 +413,7 @@
           <a:p>
             <a:fld id="{100147B4-4DC3-4844-B2A8-58658666F9FF}" type="datetimeFigureOut">
               <a:rPr lang="en-AU" smtClean="0"/>
-              <a:t>20/04/2020</a:t>
+              <a:t>19/08/2020</a:t>
             </a:fld>
             <a:endParaRPr lang="en-AU"/>
           </a:p>
@@ -593,7 +593,7 @@
           <a:p>
             <a:fld id="{100147B4-4DC3-4844-B2A8-58658666F9FF}" type="datetimeFigureOut">
               <a:rPr lang="en-AU" smtClean="0"/>
-              <a:t>20/04/2020</a:t>
+              <a:t>19/08/2020</a:t>
             </a:fld>
             <a:endParaRPr lang="en-AU"/>
           </a:p>
@@ -763,7 +763,7 @@
           <a:p>
             <a:fld id="{100147B4-4DC3-4844-B2A8-58658666F9FF}" type="datetimeFigureOut">
               <a:rPr lang="en-AU" smtClean="0"/>
-              <a:t>20/04/2020</a:t>
+              <a:t>19/08/2020</a:t>
             </a:fld>
             <a:endParaRPr lang="en-AU"/>
           </a:p>
@@ -1007,7 +1007,7 @@
           <a:p>
             <a:fld id="{100147B4-4DC3-4844-B2A8-58658666F9FF}" type="datetimeFigureOut">
               <a:rPr lang="en-AU" smtClean="0"/>
-              <a:t>20/04/2020</a:t>
+              <a:t>19/08/2020</a:t>
             </a:fld>
             <a:endParaRPr lang="en-AU"/>
           </a:p>
@@ -1239,7 +1239,7 @@
           <a:p>
             <a:fld id="{100147B4-4DC3-4844-B2A8-58658666F9FF}" type="datetimeFigureOut">
               <a:rPr lang="en-AU" smtClean="0"/>
-              <a:t>20/04/2020</a:t>
+              <a:t>19/08/2020</a:t>
             </a:fld>
             <a:endParaRPr lang="en-AU"/>
           </a:p>
@@ -1606,7 +1606,7 @@
           <a:p>
             <a:fld id="{100147B4-4DC3-4844-B2A8-58658666F9FF}" type="datetimeFigureOut">
               <a:rPr lang="en-AU" smtClean="0"/>
-              <a:t>20/04/2020</a:t>
+              <a:t>19/08/2020</a:t>
             </a:fld>
             <a:endParaRPr lang="en-AU"/>
           </a:p>
@@ -1724,7 +1724,7 @@
           <a:p>
             <a:fld id="{100147B4-4DC3-4844-B2A8-58658666F9FF}" type="datetimeFigureOut">
               <a:rPr lang="en-AU" smtClean="0"/>
-              <a:t>20/04/2020</a:t>
+              <a:t>19/08/2020</a:t>
             </a:fld>
             <a:endParaRPr lang="en-AU"/>
           </a:p>
@@ -1819,7 +1819,7 @@
           <a:p>
             <a:fld id="{100147B4-4DC3-4844-B2A8-58658666F9FF}" type="datetimeFigureOut">
               <a:rPr lang="en-AU" smtClean="0"/>
-              <a:t>20/04/2020</a:t>
+              <a:t>19/08/2020</a:t>
             </a:fld>
             <a:endParaRPr lang="en-AU"/>
           </a:p>
@@ -2096,7 +2096,7 @@
           <a:p>
             <a:fld id="{100147B4-4DC3-4844-B2A8-58658666F9FF}" type="datetimeFigureOut">
               <a:rPr lang="en-AU" smtClean="0"/>
-              <a:t>20/04/2020</a:t>
+              <a:t>19/08/2020</a:t>
             </a:fld>
             <a:endParaRPr lang="en-AU"/>
           </a:p>
@@ -2353,7 +2353,7 @@
           <a:p>
             <a:fld id="{100147B4-4DC3-4844-B2A8-58658666F9FF}" type="datetimeFigureOut">
               <a:rPr lang="en-AU" smtClean="0"/>
-              <a:t>20/04/2020</a:t>
+              <a:t>19/08/2020</a:t>
             </a:fld>
             <a:endParaRPr lang="en-AU"/>
           </a:p>
@@ -2566,7 +2566,7 @@
           <a:p>
             <a:fld id="{100147B4-4DC3-4844-B2A8-58658666F9FF}" type="datetimeFigureOut">
               <a:rPr lang="en-AU" smtClean="0"/>
-              <a:t>20/04/2020</a:t>
+              <a:t>19/08/2020</a:t>
             </a:fld>
             <a:endParaRPr lang="en-AU"/>
           </a:p>
@@ -8877,7 +8877,21 @@
                 <a:latin typeface="Arial" panose="020B0604020202020204" pitchFamily="34" charset="0"/>
                 <a:cs typeface="Arial" panose="020B0604020202020204" pitchFamily="34" charset="0"/>
               </a:rPr>
-              <a:t> is indirectly linked the quality of an interaction, e.g. genetic relatedness, resource specialisation etc.</a:t>
+              <a:t> is </a:t>
+            </a:r>
+            <a:r>
+              <a:rPr lang="en-GB" sz="1100" dirty="0" smtClean="0">
+                <a:latin typeface="Arial" panose="020B0604020202020204" pitchFamily="34" charset="0"/>
+                <a:cs typeface="Arial" panose="020B0604020202020204" pitchFamily="34" charset="0"/>
+              </a:rPr>
+              <a:t>directly or indirectly </a:t>
+            </a:r>
+            <a:r>
+              <a:rPr lang="en-GB" sz="1100" dirty="0">
+                <a:latin typeface="Arial" panose="020B0604020202020204" pitchFamily="34" charset="0"/>
+                <a:cs typeface="Arial" panose="020B0604020202020204" pitchFamily="34" charset="0"/>
+              </a:rPr>
+              <a:t>linked the quality of an interaction, e.g. genetic relatedness, resource specialisation etc.</a:t>
             </a:r>
             <a:endParaRPr lang="en-AU" sz="1100" dirty="0">
               <a:latin typeface="Arial" panose="020B0604020202020204" pitchFamily="34" charset="0"/>
